--- a/sunumlar/03_Regresyon_Giriş_Varyans_Std_Ortalama_Korelasyon++.pptx
+++ b/sunumlar/03_Regresyon_Giriş_Varyans_Std_Ortalama_Korelasyon++.pptx
@@ -143,6 +143,30 @@
 
 <file path=ppt/changesInfos/changesInfo1.xml><?xml version="1.0" encoding="utf-8"?>
 <pc:chgInfo xmlns:a="http://schemas.openxmlformats.org/drawingml/2006/main" xmlns:r="http://schemas.openxmlformats.org/officeDocument/2006/relationships" xmlns:ac="http://schemas.microsoft.com/office/drawing/2013/main/command" xmlns:pc="http://schemas.microsoft.com/office/powerpoint/2013/main/command">
+  <pc:docChgLst>
+    <pc:chgData name="Erkan ŞİRİN" userId="7f10ce1d6aaf8c5d" providerId="LiveId" clId="{C3306DF7-3E40-4525-AAC3-3F7072D84504}"/>
+    <pc:docChg chg="custSel modSld">
+      <pc:chgData name="Erkan ŞİRİN" userId="7f10ce1d6aaf8c5d" providerId="LiveId" clId="{C3306DF7-3E40-4525-AAC3-3F7072D84504}" dt="2019-05-10T07:44:52.820" v="3" actId="478"/>
+      <pc:docMkLst>
+        <pc:docMk/>
+      </pc:docMkLst>
+      <pc:sldChg chg="addSp delSp modSp delAnim modAnim">
+        <pc:chgData name="Erkan ŞİRİN" userId="7f10ce1d6aaf8c5d" providerId="LiveId" clId="{C3306DF7-3E40-4525-AAC3-3F7072D84504}" dt="2019-05-10T07:44:52.820" v="3" actId="478"/>
+        <pc:sldMkLst>
+          <pc:docMk/>
+          <pc:sldMk cId="1008214380" sldId="280"/>
+        </pc:sldMkLst>
+        <pc:cxnChg chg="add del mod">
+          <ac:chgData name="Erkan ŞİRİN" userId="7f10ce1d6aaf8c5d" providerId="LiveId" clId="{C3306DF7-3E40-4525-AAC3-3F7072D84504}" dt="2019-05-10T07:44:52.820" v="3" actId="478"/>
+          <ac:cxnSpMkLst>
+            <pc:docMk/>
+            <pc:sldMk cId="1008214380" sldId="280"/>
+            <ac:cxnSpMk id="47" creationId="{A014E42C-69D4-4A37-821C-4156695F3E8E}"/>
+          </ac:cxnSpMkLst>
+        </pc:cxnChg>
+      </pc:sldChg>
+    </pc:docChg>
+  </pc:docChgLst>
   <pc:docChgLst>
     <pc:chgData name="Erkan ŞİRİN" userId="7f10ce1d6aaf8c5d" providerId="LiveId" clId="{12D9E144-4CC0-4368-93AE-12AB38FDB6F3}"/>
     <pc:docChg chg="custSel modSld">
@@ -463,7 +487,7 @@
           <a:p>
             <a:fld id="{6F77F576-AE14-466D-AA6B-335273622B21}" type="datetimeFigureOut">
               <a:rPr lang="en-US" smtClean="0"/>
-              <a:t>3/20/2019</a:t>
+              <a:t>5/10/2019</a:t>
             </a:fld>
             <a:endParaRPr lang="en-US"/>
           </a:p>
@@ -862,7 +886,7 @@
           <a:p>
             <a:fld id="{54AA066D-271F-4C1A-B89A-0705A7689EE9}" type="datetimeFigureOut">
               <a:rPr lang="en-US" smtClean="0"/>
-              <a:t>3/20/2019</a:t>
+              <a:t>5/10/2019</a:t>
             </a:fld>
             <a:endParaRPr lang="en-US"/>
           </a:p>
@@ -1032,7 +1056,7 @@
           <a:p>
             <a:fld id="{54AA066D-271F-4C1A-B89A-0705A7689EE9}" type="datetimeFigureOut">
               <a:rPr lang="en-US" smtClean="0"/>
-              <a:t>3/20/2019</a:t>
+              <a:t>5/10/2019</a:t>
             </a:fld>
             <a:endParaRPr lang="en-US"/>
           </a:p>
@@ -1212,7 +1236,7 @@
           <a:p>
             <a:fld id="{54AA066D-271F-4C1A-B89A-0705A7689EE9}" type="datetimeFigureOut">
               <a:rPr lang="en-US" smtClean="0"/>
-              <a:t>3/20/2019</a:t>
+              <a:t>5/10/2019</a:t>
             </a:fld>
             <a:endParaRPr lang="en-US"/>
           </a:p>
@@ -1382,7 +1406,7 @@
           <a:p>
             <a:fld id="{54AA066D-271F-4C1A-B89A-0705A7689EE9}" type="datetimeFigureOut">
               <a:rPr lang="en-US" smtClean="0"/>
-              <a:t>3/20/2019</a:t>
+              <a:t>5/10/2019</a:t>
             </a:fld>
             <a:endParaRPr lang="en-US"/>
           </a:p>
@@ -1628,7 +1652,7 @@
           <a:p>
             <a:fld id="{54AA066D-271F-4C1A-B89A-0705A7689EE9}" type="datetimeFigureOut">
               <a:rPr lang="en-US" smtClean="0"/>
-              <a:t>3/20/2019</a:t>
+              <a:t>5/10/2019</a:t>
             </a:fld>
             <a:endParaRPr lang="en-US"/>
           </a:p>
@@ -1860,7 +1884,7 @@
           <a:p>
             <a:fld id="{54AA066D-271F-4C1A-B89A-0705A7689EE9}" type="datetimeFigureOut">
               <a:rPr lang="en-US" smtClean="0"/>
-              <a:t>3/20/2019</a:t>
+              <a:t>5/10/2019</a:t>
             </a:fld>
             <a:endParaRPr lang="en-US"/>
           </a:p>
@@ -2227,7 +2251,7 @@
           <a:p>
             <a:fld id="{54AA066D-271F-4C1A-B89A-0705A7689EE9}" type="datetimeFigureOut">
               <a:rPr lang="en-US" smtClean="0"/>
-              <a:t>3/20/2019</a:t>
+              <a:t>5/10/2019</a:t>
             </a:fld>
             <a:endParaRPr lang="en-US"/>
           </a:p>
@@ -2345,7 +2369,7 @@
           <a:p>
             <a:fld id="{54AA066D-271F-4C1A-B89A-0705A7689EE9}" type="datetimeFigureOut">
               <a:rPr lang="en-US" smtClean="0"/>
-              <a:t>3/20/2019</a:t>
+              <a:t>5/10/2019</a:t>
             </a:fld>
             <a:endParaRPr lang="en-US"/>
           </a:p>
@@ -2440,7 +2464,7 @@
           <a:p>
             <a:fld id="{54AA066D-271F-4C1A-B89A-0705A7689EE9}" type="datetimeFigureOut">
               <a:rPr lang="en-US" smtClean="0"/>
-              <a:t>3/20/2019</a:t>
+              <a:t>5/10/2019</a:t>
             </a:fld>
             <a:endParaRPr lang="en-US"/>
           </a:p>
@@ -2717,7 +2741,7 @@
           <a:p>
             <a:fld id="{54AA066D-271F-4C1A-B89A-0705A7689EE9}" type="datetimeFigureOut">
               <a:rPr lang="en-US" smtClean="0"/>
-              <a:t>3/20/2019</a:t>
+              <a:t>5/10/2019</a:t>
             </a:fld>
             <a:endParaRPr lang="en-US"/>
           </a:p>
@@ -2970,7 +2994,7 @@
           <a:p>
             <a:fld id="{54AA066D-271F-4C1A-B89A-0705A7689EE9}" type="datetimeFigureOut">
               <a:rPr lang="en-US" smtClean="0"/>
-              <a:t>3/20/2019</a:t>
+              <a:t>5/10/2019</a:t>
             </a:fld>
             <a:endParaRPr lang="en-US"/>
           </a:p>
@@ -3183,7 +3207,7 @@
           <a:p>
             <a:fld id="{54AA066D-271F-4C1A-B89A-0705A7689EE9}" type="datetimeFigureOut">
               <a:rPr lang="en-US" smtClean="0"/>
-              <a:t>3/20/2019</a:t>
+              <a:t>5/10/2019</a:t>
             </a:fld>
             <a:endParaRPr lang="en-US"/>
           </a:p>
